--- a/ThesisMeetingPresentation.pptx
+++ b/ThesisMeetingPresentation.pptx
@@ -12728,10 +12728,9 @@
               <a:t>rexperience</a:t>
             </a:r>
             <a:r>
-              <a:rPr lang="en-CA"/>
+              <a:rPr lang="en-CA" dirty="0"/>
               <a:t> something new.</a:t>
             </a:r>
-            <a:endParaRPr lang="en-CA" dirty="0"/>
           </a:p>
         </p:txBody>
       </p:sp>
